--- a/PresentationResources/Presentation.pptx
+++ b/PresentationResources/Presentation.pptx
@@ -12885,7 +12885,7 @@
         </p:blipFill>
         <p:spPr bwMode="auto">
           <a:xfrm>
-            <a:off x="3574475" y="2708565"/>
+            <a:off x="3650675" y="2507725"/>
             <a:ext cx="1607126" cy="1607126"/>
           </a:xfrm>
           <a:prstGeom prst="rect">
@@ -12932,8 +12932,8 @@
         </p:blipFill>
         <p:spPr bwMode="auto">
           <a:xfrm>
-            <a:off x="701966" y="2083159"/>
-            <a:ext cx="1524000" cy="1524000"/>
+            <a:off x="1022928" y="2719330"/>
+            <a:ext cx="1183916" cy="1183916"/>
           </a:xfrm>
           <a:prstGeom prst="rect">
             <a:avLst/>
@@ -12979,7 +12979,7 @@
         </p:blipFill>
         <p:spPr bwMode="auto">
           <a:xfrm>
-            <a:off x="6765635" y="2708565"/>
+            <a:off x="6841835" y="2507725"/>
             <a:ext cx="1607126" cy="1607126"/>
           </a:xfrm>
           <a:prstGeom prst="rect">
@@ -13026,8 +13026,8 @@
         </p:blipFill>
         <p:spPr bwMode="auto">
           <a:xfrm>
-            <a:off x="9721272" y="2083159"/>
-            <a:ext cx="1524000" cy="1524000"/>
+            <a:off x="9721272" y="2719330"/>
+            <a:ext cx="1188720" cy="1188720"/>
           </a:xfrm>
           <a:prstGeom prst="rect">
             <a:avLst/>
@@ -13044,6 +13044,558 @@
           </a:extLst>
         </p:spPr>
       </p:pic>
+      <p:cxnSp>
+        <p:nvCxnSpPr>
+          <p:cNvPr id="4" name="Straight Arrow Connector 3">
+            <a:extLst>
+              <a:ext uri="{FF2B5EF4-FFF2-40B4-BE49-F238E27FC236}">
+                <a16:creationId xmlns:a16="http://schemas.microsoft.com/office/drawing/2014/main" id="{4E3E2306-B2E7-C35F-8422-CF1B60E5E4E0}"/>
+              </a:ext>
+            </a:extLst>
+          </p:cNvPr>
+          <p:cNvCxnSpPr>
+            <a:cxnSpLocks/>
+            <a:stCxn id="1026" idx="1"/>
+            <a:endCxn id="1028" idx="3"/>
+          </p:cNvCxnSpPr>
+          <p:nvPr/>
+        </p:nvCxnSpPr>
+        <p:spPr>
+          <a:xfrm flipH="1">
+            <a:off x="2206844" y="3311288"/>
+            <a:ext cx="1443831" cy="0"/>
+          </a:xfrm>
+          <a:prstGeom prst="straightConnector1">
+            <a:avLst/>
+          </a:prstGeom>
+          <a:ln>
+            <a:solidFill>
+              <a:schemeClr val="bg2"/>
+            </a:solidFill>
+            <a:tailEnd type="triangle"/>
+          </a:ln>
+        </p:spPr>
+        <p:style>
+          <a:lnRef idx="1">
+            <a:schemeClr val="accent1"/>
+          </a:lnRef>
+          <a:fillRef idx="0">
+            <a:schemeClr val="accent1"/>
+          </a:fillRef>
+          <a:effectRef idx="0">
+            <a:schemeClr val="accent1"/>
+          </a:effectRef>
+          <a:fontRef idx="minor">
+            <a:schemeClr val="tx1"/>
+          </a:fontRef>
+        </p:style>
+      </p:cxnSp>
+      <p:cxnSp>
+        <p:nvCxnSpPr>
+          <p:cNvPr id="9" name="Straight Arrow Connector 8">
+            <a:extLst>
+              <a:ext uri="{FF2B5EF4-FFF2-40B4-BE49-F238E27FC236}">
+                <a16:creationId xmlns:a16="http://schemas.microsoft.com/office/drawing/2014/main" id="{15068A67-B82D-68AF-42CE-C137AFE5063E}"/>
+              </a:ext>
+            </a:extLst>
+          </p:cNvPr>
+          <p:cNvCxnSpPr>
+            <a:cxnSpLocks/>
+            <a:stCxn id="1026" idx="3"/>
+            <a:endCxn id="7" idx="1"/>
+          </p:cNvCxnSpPr>
+          <p:nvPr/>
+        </p:nvCxnSpPr>
+        <p:spPr>
+          <a:xfrm>
+            <a:off x="5257801" y="3311288"/>
+            <a:ext cx="1584034" cy="0"/>
+          </a:xfrm>
+          <a:prstGeom prst="straightConnector1">
+            <a:avLst/>
+          </a:prstGeom>
+          <a:ln>
+            <a:solidFill>
+              <a:schemeClr val="bg1"/>
+            </a:solidFill>
+            <a:tailEnd type="triangle"/>
+          </a:ln>
+        </p:spPr>
+        <p:style>
+          <a:lnRef idx="1">
+            <a:schemeClr val="accent1"/>
+          </a:lnRef>
+          <a:fillRef idx="0">
+            <a:schemeClr val="accent1"/>
+          </a:fillRef>
+          <a:effectRef idx="0">
+            <a:schemeClr val="accent1"/>
+          </a:effectRef>
+          <a:fontRef idx="minor">
+            <a:schemeClr val="tx1"/>
+          </a:fontRef>
+        </p:style>
+      </p:cxnSp>
+      <p:cxnSp>
+        <p:nvCxnSpPr>
+          <p:cNvPr id="14" name="Straight Arrow Connector 13">
+            <a:extLst>
+              <a:ext uri="{FF2B5EF4-FFF2-40B4-BE49-F238E27FC236}">
+                <a16:creationId xmlns:a16="http://schemas.microsoft.com/office/drawing/2014/main" id="{C03B6433-D719-07AE-18BA-076BADBD4A07}"/>
+              </a:ext>
+            </a:extLst>
+          </p:cNvPr>
+          <p:cNvCxnSpPr>
+            <a:cxnSpLocks/>
+          </p:cNvCxnSpPr>
+          <p:nvPr/>
+        </p:nvCxnSpPr>
+        <p:spPr>
+          <a:xfrm flipH="1">
+            <a:off x="5257801" y="3475038"/>
+            <a:ext cx="1584034" cy="0"/>
+          </a:xfrm>
+          <a:prstGeom prst="straightConnector1">
+            <a:avLst/>
+          </a:prstGeom>
+          <a:ln>
+            <a:solidFill>
+              <a:schemeClr val="bg1"/>
+            </a:solidFill>
+            <a:tailEnd type="triangle"/>
+          </a:ln>
+        </p:spPr>
+        <p:style>
+          <a:lnRef idx="1">
+            <a:schemeClr val="accent1"/>
+          </a:lnRef>
+          <a:fillRef idx="0">
+            <a:schemeClr val="accent1"/>
+          </a:fillRef>
+          <a:effectRef idx="0">
+            <a:schemeClr val="accent1"/>
+          </a:effectRef>
+          <a:fontRef idx="minor">
+            <a:schemeClr val="tx1"/>
+          </a:fontRef>
+        </p:style>
+      </p:cxnSp>
+      <p:cxnSp>
+        <p:nvCxnSpPr>
+          <p:cNvPr id="15" name="Straight Arrow Connector 14">
+            <a:extLst>
+              <a:ext uri="{FF2B5EF4-FFF2-40B4-BE49-F238E27FC236}">
+                <a16:creationId xmlns:a16="http://schemas.microsoft.com/office/drawing/2014/main" id="{733602E5-4EBD-9E0E-CF98-483E9F5F2DB1}"/>
+              </a:ext>
+            </a:extLst>
+          </p:cNvPr>
+          <p:cNvCxnSpPr>
+            <a:cxnSpLocks/>
+            <a:stCxn id="7" idx="3"/>
+            <a:endCxn id="8" idx="1"/>
+          </p:cNvCxnSpPr>
+          <p:nvPr/>
+        </p:nvCxnSpPr>
+        <p:spPr>
+          <a:xfrm>
+            <a:off x="8448961" y="3311288"/>
+            <a:ext cx="1272311" cy="2402"/>
+          </a:xfrm>
+          <a:prstGeom prst="straightConnector1">
+            <a:avLst/>
+          </a:prstGeom>
+          <a:ln>
+            <a:solidFill>
+              <a:schemeClr val="bg2"/>
+            </a:solidFill>
+            <a:tailEnd type="triangle"/>
+          </a:ln>
+        </p:spPr>
+        <p:style>
+          <a:lnRef idx="1">
+            <a:schemeClr val="accent1"/>
+          </a:lnRef>
+          <a:fillRef idx="0">
+            <a:schemeClr val="accent1"/>
+          </a:fillRef>
+          <a:effectRef idx="0">
+            <a:schemeClr val="accent1"/>
+          </a:effectRef>
+          <a:fontRef idx="minor">
+            <a:schemeClr val="tx1"/>
+          </a:fontRef>
+        </p:style>
+      </p:cxnSp>
+      <p:sp>
+        <p:nvSpPr>
+          <p:cNvPr id="20" name="TextBox 19">
+            <a:extLst>
+              <a:ext uri="{FF2B5EF4-FFF2-40B4-BE49-F238E27FC236}">
+                <a16:creationId xmlns:a16="http://schemas.microsoft.com/office/drawing/2014/main" id="{88ED754A-A014-0D0E-401F-6C39D30287BB}"/>
+              </a:ext>
+            </a:extLst>
+          </p:cNvPr>
+          <p:cNvSpPr txBox="1"/>
+          <p:nvPr/>
+        </p:nvSpPr>
+        <p:spPr>
+          <a:xfrm>
+            <a:off x="5705475" y="2847160"/>
+            <a:ext cx="800219" cy="369332"/>
+          </a:xfrm>
+          <a:prstGeom prst="rect">
+            <a:avLst/>
+          </a:prstGeom>
+          <a:noFill/>
+        </p:spPr>
+        <p:txBody>
+          <a:bodyPr wrap="none" rtlCol="0">
+            <a:spAutoFit/>
+          </a:bodyPr>
+          <a:lstStyle/>
+          <a:p>
+            <a:r>
+              <a:rPr lang="en-US" dirty="0">
+                <a:solidFill>
+                  <a:schemeClr val="bg1"/>
+                </a:solidFill>
+              </a:rPr>
+              <a:t>JSON</a:t>
+            </a:r>
+            <a:endParaRPr lang="bg-BG" dirty="0">
+              <a:solidFill>
+                <a:schemeClr val="bg1"/>
+              </a:solidFill>
+            </a:endParaRPr>
+          </a:p>
+        </p:txBody>
+      </p:sp>
+      <p:sp>
+        <p:nvSpPr>
+          <p:cNvPr id="21" name="TextBox 20">
+            <a:extLst>
+              <a:ext uri="{FF2B5EF4-FFF2-40B4-BE49-F238E27FC236}">
+                <a16:creationId xmlns:a16="http://schemas.microsoft.com/office/drawing/2014/main" id="{9C0B2933-3CA7-E52B-A704-3E56D42B98AA}"/>
+              </a:ext>
+            </a:extLst>
+          </p:cNvPr>
+          <p:cNvSpPr txBox="1"/>
+          <p:nvPr/>
+        </p:nvSpPr>
+        <p:spPr>
+          <a:xfrm>
+            <a:off x="3880510" y="4244015"/>
+            <a:ext cx="1170513" cy="646331"/>
+          </a:xfrm>
+          <a:prstGeom prst="rect">
+            <a:avLst/>
+          </a:prstGeom>
+          <a:noFill/>
+        </p:spPr>
+        <p:txBody>
+          <a:bodyPr wrap="none" rtlCol="0">
+            <a:spAutoFit/>
+          </a:bodyPr>
+          <a:lstStyle/>
+          <a:p>
+            <a:pPr algn="ctr"/>
+            <a:r>
+              <a:rPr lang="en-US" b="1" dirty="0">
+                <a:solidFill>
+                  <a:schemeClr val="bg1"/>
+                </a:solidFill>
+              </a:rPr>
+              <a:t>DWH</a:t>
+            </a:r>
+          </a:p>
+          <a:p>
+            <a:r>
+              <a:rPr lang="en-US" dirty="0">
+                <a:solidFill>
+                  <a:schemeClr val="bg1"/>
+                </a:solidFill>
+              </a:rPr>
+              <a:t>Web API</a:t>
+            </a:r>
+            <a:endParaRPr lang="bg-BG" dirty="0">
+              <a:solidFill>
+                <a:schemeClr val="bg1"/>
+              </a:solidFill>
+            </a:endParaRPr>
+          </a:p>
+        </p:txBody>
+      </p:sp>
+      <p:sp>
+        <p:nvSpPr>
+          <p:cNvPr id="25" name="TextBox 24">
+            <a:extLst>
+              <a:ext uri="{FF2B5EF4-FFF2-40B4-BE49-F238E27FC236}">
+                <a16:creationId xmlns:a16="http://schemas.microsoft.com/office/drawing/2014/main" id="{1C0D65FC-8524-CE8C-E5B0-BA8CE1C65D39}"/>
+              </a:ext>
+            </a:extLst>
+          </p:cNvPr>
+          <p:cNvSpPr txBox="1"/>
+          <p:nvPr/>
+        </p:nvSpPr>
+        <p:spPr>
+          <a:xfrm>
+            <a:off x="6620918" y="4278600"/>
+            <a:ext cx="2048959" cy="646331"/>
+          </a:xfrm>
+          <a:prstGeom prst="rect">
+            <a:avLst/>
+          </a:prstGeom>
+          <a:noFill/>
+        </p:spPr>
+        <p:txBody>
+          <a:bodyPr wrap="none" rtlCol="0">
+            <a:spAutoFit/>
+          </a:bodyPr>
+          <a:lstStyle/>
+          <a:p>
+            <a:pPr algn="ctr"/>
+            <a:r>
+              <a:rPr lang="en-US" b="1" dirty="0">
+                <a:solidFill>
+                  <a:schemeClr val="bg1"/>
+                </a:solidFill>
+              </a:rPr>
+              <a:t>APP</a:t>
+            </a:r>
+          </a:p>
+          <a:p>
+            <a:r>
+              <a:rPr lang="en-US" dirty="0">
+                <a:solidFill>
+                  <a:schemeClr val="bg1"/>
+                </a:solidFill>
+              </a:rPr>
+              <a:t>Web Application</a:t>
+            </a:r>
+            <a:endParaRPr lang="bg-BG" dirty="0">
+              <a:solidFill>
+                <a:schemeClr val="bg1"/>
+              </a:solidFill>
+            </a:endParaRPr>
+          </a:p>
+        </p:txBody>
+      </p:sp>
+      <p:sp>
+        <p:nvSpPr>
+          <p:cNvPr id="26" name="TextBox 25">
+            <a:extLst>
+              <a:ext uri="{FF2B5EF4-FFF2-40B4-BE49-F238E27FC236}">
+                <a16:creationId xmlns:a16="http://schemas.microsoft.com/office/drawing/2014/main" id="{3D77858F-8D61-1B66-7E7C-3C0E9851ADC6}"/>
+              </a:ext>
+            </a:extLst>
+          </p:cNvPr>
+          <p:cNvSpPr txBox="1"/>
+          <p:nvPr/>
+        </p:nvSpPr>
+        <p:spPr>
+          <a:xfrm>
+            <a:off x="846435" y="4139421"/>
+            <a:ext cx="1269899" cy="646331"/>
+          </a:xfrm>
+          <a:prstGeom prst="rect">
+            <a:avLst/>
+          </a:prstGeom>
+          <a:noFill/>
+        </p:spPr>
+        <p:txBody>
+          <a:bodyPr wrap="none" rtlCol="0">
+            <a:spAutoFit/>
+          </a:bodyPr>
+          <a:lstStyle/>
+          <a:p>
+            <a:pPr algn="ctr"/>
+            <a:r>
+              <a:rPr lang="en-US" b="1" dirty="0">
+                <a:solidFill>
+                  <a:schemeClr val="bg1"/>
+                </a:solidFill>
+              </a:rPr>
+              <a:t>DWH</a:t>
+            </a:r>
+          </a:p>
+          <a:p>
+            <a:r>
+              <a:rPr lang="en-US" dirty="0">
+                <a:solidFill>
+                  <a:schemeClr val="bg1"/>
+                </a:solidFill>
+              </a:rPr>
+              <a:t>Database</a:t>
+            </a:r>
+            <a:endParaRPr lang="bg-BG" dirty="0">
+              <a:solidFill>
+                <a:schemeClr val="bg1"/>
+              </a:solidFill>
+            </a:endParaRPr>
+          </a:p>
+        </p:txBody>
+      </p:sp>
+      <p:sp>
+        <p:nvSpPr>
+          <p:cNvPr id="27" name="TextBox 26">
+            <a:extLst>
+              <a:ext uri="{FF2B5EF4-FFF2-40B4-BE49-F238E27FC236}">
+                <a16:creationId xmlns:a16="http://schemas.microsoft.com/office/drawing/2014/main" id="{FDE9FC1B-D959-3F5F-114A-9753A4079276}"/>
+              </a:ext>
+            </a:extLst>
+          </p:cNvPr>
+          <p:cNvSpPr txBox="1"/>
+          <p:nvPr/>
+        </p:nvSpPr>
+        <p:spPr>
+          <a:xfrm>
+            <a:off x="9680682" y="4244015"/>
+            <a:ext cx="1269899" cy="646331"/>
+          </a:xfrm>
+          <a:prstGeom prst="rect">
+            <a:avLst/>
+          </a:prstGeom>
+          <a:noFill/>
+        </p:spPr>
+        <p:txBody>
+          <a:bodyPr wrap="none" rtlCol="0">
+            <a:spAutoFit/>
+          </a:bodyPr>
+          <a:lstStyle/>
+          <a:p>
+            <a:pPr algn="ctr"/>
+            <a:r>
+              <a:rPr lang="en-US" b="1" dirty="0">
+                <a:solidFill>
+                  <a:schemeClr val="bg1"/>
+                </a:solidFill>
+              </a:rPr>
+              <a:t>APP</a:t>
+            </a:r>
+          </a:p>
+          <a:p>
+            <a:r>
+              <a:rPr lang="en-US" dirty="0">
+                <a:solidFill>
+                  <a:schemeClr val="bg1"/>
+                </a:solidFill>
+              </a:rPr>
+              <a:t>Database</a:t>
+            </a:r>
+            <a:endParaRPr lang="bg-BG" dirty="0">
+              <a:solidFill>
+                <a:schemeClr val="bg1"/>
+              </a:solidFill>
+            </a:endParaRPr>
+          </a:p>
+        </p:txBody>
+      </p:sp>
+      <p:sp>
+        <p:nvSpPr>
+          <p:cNvPr id="22" name="TextBox 21">
+            <a:extLst>
+              <a:ext uri="{FF2B5EF4-FFF2-40B4-BE49-F238E27FC236}">
+                <a16:creationId xmlns:a16="http://schemas.microsoft.com/office/drawing/2014/main" id="{F5C27F88-F72E-26BE-EFAE-C1FEBA8EBB87}"/>
+              </a:ext>
+            </a:extLst>
+          </p:cNvPr>
+          <p:cNvSpPr txBox="1"/>
+          <p:nvPr/>
+        </p:nvSpPr>
+        <p:spPr>
+          <a:xfrm>
+            <a:off x="2651785" y="5028941"/>
+            <a:ext cx="3786614" cy="1754326"/>
+          </a:xfrm>
+          <a:prstGeom prst="rect">
+            <a:avLst/>
+          </a:prstGeom>
+          <a:noFill/>
+        </p:spPr>
+        <p:txBody>
+          <a:bodyPr wrap="none" rtlCol="0">
+            <a:spAutoFit/>
+          </a:bodyPr>
+          <a:lstStyle/>
+          <a:p>
+            <a:r>
+              <a:rPr lang="en-US" dirty="0">
+                <a:solidFill>
+                  <a:schemeClr val="bg1"/>
+                </a:solidFill>
+              </a:rPr>
+              <a:t>Web API Endpoints:</a:t>
+            </a:r>
+          </a:p>
+          <a:p>
+            <a:pPr marL="285750" indent="-285750">
+              <a:buFont typeface="Arial" panose="020B0604020202020204" pitchFamily="34" charset="0"/>
+              <a:buChar char="•"/>
+            </a:pPr>
+            <a:r>
+              <a:rPr lang="af-ZA" dirty="0">
+                <a:solidFill>
+                  <a:schemeClr val="bg1"/>
+                </a:solidFill>
+              </a:rPr>
+              <a:t>/api/BankEmployee/AddNew</a:t>
+            </a:r>
+          </a:p>
+          <a:p>
+            <a:pPr marL="285750" indent="-285750">
+              <a:buFont typeface="Arial" panose="020B0604020202020204" pitchFamily="34" charset="0"/>
+              <a:buChar char="•"/>
+            </a:pPr>
+            <a:r>
+              <a:rPr lang="af-ZA" dirty="0">
+                <a:solidFill>
+                  <a:schemeClr val="bg1"/>
+                </a:solidFill>
+              </a:rPr>
+              <a:t>/api/Shopkeeper/AddNew</a:t>
+            </a:r>
+          </a:p>
+          <a:p>
+            <a:pPr marL="285750" indent="-285750">
+              <a:buFont typeface="Arial" panose="020B0604020202020204" pitchFamily="34" charset="0"/>
+              <a:buChar char="•"/>
+            </a:pPr>
+            <a:r>
+              <a:rPr lang="af-ZA" dirty="0">
+                <a:solidFill>
+                  <a:schemeClr val="bg1"/>
+                </a:solidFill>
+              </a:rPr>
+              <a:t>/api/Terminal/AddNew</a:t>
+            </a:r>
+          </a:p>
+          <a:p>
+            <a:pPr marL="285750" indent="-285750">
+              <a:buFont typeface="Arial" panose="020B0604020202020204" pitchFamily="34" charset="0"/>
+              <a:buChar char="•"/>
+            </a:pPr>
+            <a:r>
+              <a:rPr lang="af-ZA" dirty="0">
+                <a:solidFill>
+                  <a:schemeClr val="bg1"/>
+                </a:solidFill>
+              </a:rPr>
+              <a:t>/api/GetNewRecords</a:t>
+            </a:r>
+          </a:p>
+          <a:p>
+            <a:pPr marL="285750" indent="-285750">
+              <a:buFont typeface="Arial" panose="020B0604020202020204" pitchFamily="34" charset="0"/>
+              <a:buChar char="•"/>
+            </a:pPr>
+            <a:endParaRPr lang="bg-BG" dirty="0">
+              <a:solidFill>
+                <a:schemeClr val="bg1"/>
+              </a:solidFill>
+            </a:endParaRPr>
+          </a:p>
+        </p:txBody>
+      </p:sp>
     </p:spTree>
     <p:extLst>
       <p:ext uri="{BB962C8B-B14F-4D97-AF65-F5344CB8AC3E}">
@@ -13211,95 +13763,6 @@
   <p:clrMapOvr>
     <a:masterClrMapping/>
   </p:clrMapOvr>
-  <p:timing>
-    <p:tnLst>
-      <p:par>
-        <p:cTn id="1" dur="indefinite" restart="never" nodeType="tmRoot">
-          <p:childTnLst>
-            <p:seq concurrent="1" nextAc="seek">
-              <p:cTn id="2" dur="indefinite" nodeType="mainSeq">
-                <p:childTnLst>
-                  <p:par>
-                    <p:cTn id="3" fill="hold">
-                      <p:stCondLst>
-                        <p:cond delay="indefinite"/>
-                        <p:cond evt="onBegin" delay="0">
-                          <p:tn val="2"/>
-                        </p:cond>
-                      </p:stCondLst>
-                      <p:childTnLst>
-                        <p:par>
-                          <p:cTn id="4" fill="hold">
-                            <p:stCondLst>
-                              <p:cond delay="0"/>
-                            </p:stCondLst>
-                            <p:childTnLst>
-                              <p:par>
-                                <p:cTn id="5" presetID="10" presetClass="entr" presetSubtype="0" fill="hold" grpId="0" nodeType="withEffect">
-                                  <p:stCondLst>
-                                    <p:cond delay="0"/>
-                                  </p:stCondLst>
-                                  <p:childTnLst>
-                                    <p:set>
-                                      <p:cBhvr>
-                                        <p:cTn id="6" dur="1" fill="hold">
-                                          <p:stCondLst>
-                                            <p:cond delay="0"/>
-                                          </p:stCondLst>
-                                        </p:cTn>
-                                        <p:tgtEl>
-                                          <p:spTgt spid="5"/>
-                                        </p:tgtEl>
-                                        <p:attrNameLst>
-                                          <p:attrName>style.visibility</p:attrName>
-                                        </p:attrNameLst>
-                                      </p:cBhvr>
-                                      <p:to>
-                                        <p:strVal val="visible"/>
-                                      </p:to>
-                                    </p:set>
-                                    <p:animEffect transition="in" filter="fade">
-                                      <p:cBhvr>
-                                        <p:cTn id="7" dur="500"/>
-                                        <p:tgtEl>
-                                          <p:spTgt spid="5"/>
-                                        </p:tgtEl>
-                                      </p:cBhvr>
-                                    </p:animEffect>
-                                  </p:childTnLst>
-                                </p:cTn>
-                              </p:par>
-                            </p:childTnLst>
-                          </p:cTn>
-                        </p:par>
-                      </p:childTnLst>
-                    </p:cTn>
-                  </p:par>
-                </p:childTnLst>
-              </p:cTn>
-              <p:prevCondLst>
-                <p:cond evt="onPrev" delay="0">
-                  <p:tgtEl>
-                    <p:sldTgt/>
-                  </p:tgtEl>
-                </p:cond>
-              </p:prevCondLst>
-              <p:nextCondLst>
-                <p:cond evt="onNext" delay="0">
-                  <p:tgtEl>
-                    <p:sldTgt/>
-                  </p:tgtEl>
-                </p:cond>
-              </p:nextCondLst>
-            </p:seq>
-          </p:childTnLst>
-        </p:cTn>
-      </p:par>
-    </p:tnLst>
-    <p:bldLst>
-      <p:bldP spid="5" grpId="0"/>
-    </p:bldLst>
-  </p:timing>
 </p:sld>
 </file>
 
@@ -13443,95 +13906,6 @@
   <p:clrMapOvr>
     <a:masterClrMapping/>
   </p:clrMapOvr>
-  <p:timing>
-    <p:tnLst>
-      <p:par>
-        <p:cTn id="1" dur="indefinite" restart="never" nodeType="tmRoot">
-          <p:childTnLst>
-            <p:seq concurrent="1" nextAc="seek">
-              <p:cTn id="2" dur="indefinite" nodeType="mainSeq">
-                <p:childTnLst>
-                  <p:par>
-                    <p:cTn id="3" fill="hold">
-                      <p:stCondLst>
-                        <p:cond delay="indefinite"/>
-                        <p:cond evt="onBegin" delay="0">
-                          <p:tn val="2"/>
-                        </p:cond>
-                      </p:stCondLst>
-                      <p:childTnLst>
-                        <p:par>
-                          <p:cTn id="4" fill="hold">
-                            <p:stCondLst>
-                              <p:cond delay="0"/>
-                            </p:stCondLst>
-                            <p:childTnLst>
-                              <p:par>
-                                <p:cTn id="5" presetID="10" presetClass="entr" presetSubtype="0" fill="hold" grpId="0" nodeType="withEffect">
-                                  <p:stCondLst>
-                                    <p:cond delay="0"/>
-                                  </p:stCondLst>
-                                  <p:childTnLst>
-                                    <p:set>
-                                      <p:cBhvr>
-                                        <p:cTn id="6" dur="1" fill="hold">
-                                          <p:stCondLst>
-                                            <p:cond delay="0"/>
-                                          </p:stCondLst>
-                                        </p:cTn>
-                                        <p:tgtEl>
-                                          <p:spTgt spid="42"/>
-                                        </p:tgtEl>
-                                        <p:attrNameLst>
-                                          <p:attrName>style.visibility</p:attrName>
-                                        </p:attrNameLst>
-                                      </p:cBhvr>
-                                      <p:to>
-                                        <p:strVal val="visible"/>
-                                      </p:to>
-                                    </p:set>
-                                    <p:animEffect transition="in" filter="fade">
-                                      <p:cBhvr>
-                                        <p:cTn id="7" dur="500"/>
-                                        <p:tgtEl>
-                                          <p:spTgt spid="42"/>
-                                        </p:tgtEl>
-                                      </p:cBhvr>
-                                    </p:animEffect>
-                                  </p:childTnLst>
-                                </p:cTn>
-                              </p:par>
-                            </p:childTnLst>
-                          </p:cTn>
-                        </p:par>
-                      </p:childTnLst>
-                    </p:cTn>
-                  </p:par>
-                </p:childTnLst>
-              </p:cTn>
-              <p:prevCondLst>
-                <p:cond evt="onPrev" delay="0">
-                  <p:tgtEl>
-                    <p:sldTgt/>
-                  </p:tgtEl>
-                </p:cond>
-              </p:prevCondLst>
-              <p:nextCondLst>
-                <p:cond evt="onNext" delay="0">
-                  <p:tgtEl>
-                    <p:sldTgt/>
-                  </p:tgtEl>
-                </p:cond>
-              </p:nextCondLst>
-            </p:seq>
-          </p:childTnLst>
-        </p:cTn>
-      </p:par>
-    </p:tnLst>
-    <p:bldLst>
-      <p:bldP spid="42" grpId="0"/>
-    </p:bldLst>
-  </p:timing>
 </p:sld>
 </file>
 
@@ -13696,95 +14070,6 @@
   <p:clrMapOvr>
     <a:masterClrMapping/>
   </p:clrMapOvr>
-  <p:timing>
-    <p:tnLst>
-      <p:par>
-        <p:cTn id="1" dur="indefinite" restart="never" nodeType="tmRoot">
-          <p:childTnLst>
-            <p:seq concurrent="1" nextAc="seek">
-              <p:cTn id="2" dur="indefinite" nodeType="mainSeq">
-                <p:childTnLst>
-                  <p:par>
-                    <p:cTn id="3" fill="hold">
-                      <p:stCondLst>
-                        <p:cond delay="indefinite"/>
-                        <p:cond evt="onBegin" delay="0">
-                          <p:tn val="2"/>
-                        </p:cond>
-                      </p:stCondLst>
-                      <p:childTnLst>
-                        <p:par>
-                          <p:cTn id="4" fill="hold">
-                            <p:stCondLst>
-                              <p:cond delay="0"/>
-                            </p:stCondLst>
-                            <p:childTnLst>
-                              <p:par>
-                                <p:cTn id="5" presetID="10" presetClass="entr" presetSubtype="0" fill="hold" grpId="0" nodeType="withEffect">
-                                  <p:stCondLst>
-                                    <p:cond delay="500"/>
-                                  </p:stCondLst>
-                                  <p:childTnLst>
-                                    <p:set>
-                                      <p:cBhvr>
-                                        <p:cTn id="6" dur="1" fill="hold">
-                                          <p:stCondLst>
-                                            <p:cond delay="0"/>
-                                          </p:stCondLst>
-                                        </p:cTn>
-                                        <p:tgtEl>
-                                          <p:spTgt spid="2"/>
-                                        </p:tgtEl>
-                                        <p:attrNameLst>
-                                          <p:attrName>style.visibility</p:attrName>
-                                        </p:attrNameLst>
-                                      </p:cBhvr>
-                                      <p:to>
-                                        <p:strVal val="visible"/>
-                                      </p:to>
-                                    </p:set>
-                                    <p:animEffect transition="in" filter="fade">
-                                      <p:cBhvr>
-                                        <p:cTn id="7" dur="500"/>
-                                        <p:tgtEl>
-                                          <p:spTgt spid="2"/>
-                                        </p:tgtEl>
-                                      </p:cBhvr>
-                                    </p:animEffect>
-                                  </p:childTnLst>
-                                </p:cTn>
-                              </p:par>
-                            </p:childTnLst>
-                          </p:cTn>
-                        </p:par>
-                      </p:childTnLst>
-                    </p:cTn>
-                  </p:par>
-                </p:childTnLst>
-              </p:cTn>
-              <p:prevCondLst>
-                <p:cond evt="onPrev" delay="0">
-                  <p:tgtEl>
-                    <p:sldTgt/>
-                  </p:tgtEl>
-                </p:cond>
-              </p:prevCondLst>
-              <p:nextCondLst>
-                <p:cond evt="onNext" delay="0">
-                  <p:tgtEl>
-                    <p:sldTgt/>
-                  </p:tgtEl>
-                </p:cond>
-              </p:nextCondLst>
-            </p:seq>
-          </p:childTnLst>
-        </p:cTn>
-      </p:par>
-    </p:tnLst>
-    <p:bldLst>
-      <p:bldP spid="2" grpId="0"/>
-    </p:bldLst>
-  </p:timing>
 </p:sld>
 </file>
 
